--- a/Gomez analysis plan/2017_11_28 Brazil Field An darlingi results.pptx
+++ b/Gomez analysis plan/2017_11_28 Brazil Field An darlingi results.pptx
@@ -137,6 +137,36 @@
 </p:presentation>
 </file>
 
+<file path=ppt/commentAuthors.xml><?xml version="1.0" encoding="utf-8"?>
+<p:cmAuthorLst xmlns:a="http://schemas.openxmlformats.org/drawingml/2006/main" xmlns:r="http://schemas.openxmlformats.org/officeDocument/2006/relationships" xmlns:p="http://schemas.openxmlformats.org/presentationml/2006/main">
+  <p:cmAuthor id="1" name="virgchu@gmail.com" initials="v" lastIdx="1" clrIdx="0">
+    <p:extLst>
+      <p:ext uri="{19B8F6BF-5375-455C-9EA6-DF929625EA0E}">
+        <p15:presenceInfo xmlns:p15="http://schemas.microsoft.com/office/powerpoint/2012/main" userId="677acab2f67d70a2" providerId="Windows Live"/>
+      </p:ext>
+    </p:extLst>
+  </p:cmAuthor>
+</p:cmAuthorLst>
+</file>
+
+<file path=ppt/revisionInfo.xml><?xml version="1.0" encoding="utf-8"?>
+<p1510:revInfo xmlns:a="http://schemas.openxmlformats.org/drawingml/2006/main" xmlns:r="http://schemas.openxmlformats.org/officeDocument/2006/relationships" xmlns:p1510="http://schemas.microsoft.com/office/powerpoint/2015/10/main"/>
+</file>
+
+<file path=ppt/comments/comment1.xml><?xml version="1.0" encoding="utf-8"?>
+<p:cmLst xmlns:a="http://schemas.openxmlformats.org/drawingml/2006/main" xmlns:r="http://schemas.openxmlformats.org/officeDocument/2006/relationships" xmlns:p="http://schemas.openxmlformats.org/presentationml/2006/main">
+  <p:cm authorId="1" dt="2017-12-10T11:16:48.725" idx="1">
+    <p:pos x="4427" y="457"/>
+    <p:text>Field?</p:text>
+    <p:extLst>
+      <p:ext uri="{C676402C-5697-4E1C-873F-D02D1690AC5C}">
+        <p15:threadingInfo xmlns:p15="http://schemas.microsoft.com/office/powerpoint/2012/main" timeZoneBias="300"/>
+      </p:ext>
+    </p:extLst>
+  </p:cm>
+</p:cmLst>
+</file>
+
 <file path=ppt/notesMasters/notesMaster1.xml><?xml version="1.0" encoding="utf-8"?>
 <p:notesMaster xmlns:a="http://schemas.openxmlformats.org/drawingml/2006/main" xmlns:r="http://schemas.openxmlformats.org/officeDocument/2006/relationships" xmlns:p="http://schemas.openxmlformats.org/presentationml/2006/main">
   <p:cSld>
@@ -219,7 +249,7 @@
           <a:p>
             <a:fld id="{5DC03B30-E841-400A-9808-DB43D522D272}" type="datetimeFigureOut">
               <a:rPr lang="en-US" smtClean="0"/>
-              <a:t>11/28/2017</a:t>
+              <a:t>12/10/2017</a:t>
             </a:fld>
             <a:endParaRPr lang="en-US"/>
           </a:p>
@@ -1073,7 +1103,7 @@
           <a:p>
             <a:fld id="{F18E78B6-7540-4731-9669-9F3D2A4C60D5}" type="datetimeFigureOut">
               <a:rPr lang="en-US" smtClean="0"/>
-              <a:t>11/28/2017</a:t>
+              <a:t>12/10/2017</a:t>
             </a:fld>
             <a:endParaRPr lang="en-US"/>
           </a:p>
@@ -1271,7 +1301,7 @@
           <a:p>
             <a:fld id="{F18E78B6-7540-4731-9669-9F3D2A4C60D5}" type="datetimeFigureOut">
               <a:rPr lang="en-US" smtClean="0"/>
-              <a:t>11/28/2017</a:t>
+              <a:t>12/10/2017</a:t>
             </a:fld>
             <a:endParaRPr lang="en-US"/>
           </a:p>
@@ -1479,7 +1509,7 @@
           <a:p>
             <a:fld id="{F18E78B6-7540-4731-9669-9F3D2A4C60D5}" type="datetimeFigureOut">
               <a:rPr lang="en-US" smtClean="0"/>
-              <a:t>11/28/2017</a:t>
+              <a:t>12/10/2017</a:t>
             </a:fld>
             <a:endParaRPr lang="en-US"/>
           </a:p>
@@ -1677,7 +1707,7 @@
           <a:p>
             <a:fld id="{F18E78B6-7540-4731-9669-9F3D2A4C60D5}" type="datetimeFigureOut">
               <a:rPr lang="en-US" smtClean="0"/>
-              <a:t>11/28/2017</a:t>
+              <a:t>12/10/2017</a:t>
             </a:fld>
             <a:endParaRPr lang="en-US"/>
           </a:p>
@@ -1952,7 +1982,7 @@
           <a:p>
             <a:fld id="{F18E78B6-7540-4731-9669-9F3D2A4C60D5}" type="datetimeFigureOut">
               <a:rPr lang="en-US" smtClean="0"/>
-              <a:t>11/28/2017</a:t>
+              <a:t>12/10/2017</a:t>
             </a:fld>
             <a:endParaRPr lang="en-US"/>
           </a:p>
@@ -2217,7 +2247,7 @@
           <a:p>
             <a:fld id="{F18E78B6-7540-4731-9669-9F3D2A4C60D5}" type="datetimeFigureOut">
               <a:rPr lang="en-US" smtClean="0"/>
-              <a:t>11/28/2017</a:t>
+              <a:t>12/10/2017</a:t>
             </a:fld>
             <a:endParaRPr lang="en-US"/>
           </a:p>
@@ -2629,7 +2659,7 @@
           <a:p>
             <a:fld id="{F18E78B6-7540-4731-9669-9F3D2A4C60D5}" type="datetimeFigureOut">
               <a:rPr lang="en-US" smtClean="0"/>
-              <a:t>11/28/2017</a:t>
+              <a:t>12/10/2017</a:t>
             </a:fld>
             <a:endParaRPr lang="en-US"/>
           </a:p>
@@ -2770,7 +2800,7 @@
           <a:p>
             <a:fld id="{F18E78B6-7540-4731-9669-9F3D2A4C60D5}" type="datetimeFigureOut">
               <a:rPr lang="en-US" smtClean="0"/>
-              <a:t>11/28/2017</a:t>
+              <a:t>12/10/2017</a:t>
             </a:fld>
             <a:endParaRPr lang="en-US"/>
           </a:p>
@@ -2883,7 +2913,7 @@
           <a:p>
             <a:fld id="{F18E78B6-7540-4731-9669-9F3D2A4C60D5}" type="datetimeFigureOut">
               <a:rPr lang="en-US" smtClean="0"/>
-              <a:t>11/28/2017</a:t>
+              <a:t>12/10/2017</a:t>
             </a:fld>
             <a:endParaRPr lang="en-US"/>
           </a:p>
@@ -3194,7 +3224,7 @@
           <a:p>
             <a:fld id="{F18E78B6-7540-4731-9669-9F3D2A4C60D5}" type="datetimeFigureOut">
               <a:rPr lang="en-US" smtClean="0"/>
-              <a:t>11/28/2017</a:t>
+              <a:t>12/10/2017</a:t>
             </a:fld>
             <a:endParaRPr lang="en-US"/>
           </a:p>
@@ -3482,7 +3512,7 @@
           <a:p>
             <a:fld id="{F18E78B6-7540-4731-9669-9F3D2A4C60D5}" type="datetimeFigureOut">
               <a:rPr lang="en-US" smtClean="0"/>
-              <a:t>11/28/2017</a:t>
+              <a:t>12/10/2017</a:t>
             </a:fld>
             <a:endParaRPr lang="en-US"/>
           </a:p>
@@ -3723,7 +3753,7 @@
           <a:p>
             <a:fld id="{F18E78B6-7540-4731-9669-9F3D2A4C60D5}" type="datetimeFigureOut">
               <a:rPr lang="en-US" smtClean="0"/>
-              <a:t>11/28/2017</a:t>
+              <a:t>12/10/2017</a:t>
             </a:fld>
             <a:endParaRPr lang="en-US"/>
           </a:p>
@@ -22905,7 +22935,7 @@
                     <a:p>
                       <a:pPr algn="l" fontAlgn="b"/>
                       <a:r>
-                        <a:rPr lang="en-US" sz="1000" b="0" i="0" u="none" strike="noStrike">
+                        <a:rPr lang="en-US" sz="1000" b="0" i="0" u="none" strike="noStrike" dirty="0">
                           <a:effectLst/>
                           <a:latin typeface="Arial" panose="020B0604020202020204" pitchFamily="34" charset="0"/>
                         </a:rPr>
@@ -42931,7 +42961,7 @@
           <a:graphicData uri="http://schemas.openxmlformats.org/presentationml/2006/ole">
             <mc:AlternateContent xmlns:mc="http://schemas.openxmlformats.org/markup-compatibility/2006">
               <mc:Choice xmlns:v="urn:schemas-microsoft-com:vml" Requires="v">
-                <p:oleObj spid="_x0000_s2053" name="Worksheet" r:id="rId3" imgW="3381375" imgH="728913" progId="Excel.Sheet.12">
+                <p:oleObj spid="_x0000_s2055" name="Worksheet" r:id="rId3" imgW="3381375" imgH="728913" progId="Excel.Sheet.12">
                   <p:embed/>
                 </p:oleObj>
               </mc:Choice>
